--- a/FinalPresentation.pptx
+++ b/FinalPresentation.pptx
@@ -9,7 +9,8 @@
     <p:sldId id="258" r:id="rId3"/>
     <p:sldId id="259" r:id="rId4"/>
     <p:sldId id="260" r:id="rId5"/>
-    <p:sldId id="257" r:id="rId6"/>
+    <p:sldId id="261" r:id="rId6"/>
+    <p:sldId id="257" r:id="rId7"/>
   </p:sldIdLst>
   <p:sldSz cx="12192000" cy="6858000"/>
   <p:notesSz cx="6858000" cy="9144000"/>
@@ -108,6 +109,11 @@
       </a:defRPr>
     </a:lvl9pPr>
   </p:defaultTextStyle>
+  <p:extLst>
+    <p:ext uri="{EFAFB233-063F-42B5-8137-9DF3F51BA10A}">
+      <p15:sldGuideLst xmlns:p15="http://schemas.microsoft.com/office/powerpoint/2012/main"/>
+    </p:ext>
+  </p:extLst>
 </p:presentation>
 </file>
 
@@ -242,7 +248,7 @@
           <a:p>
             <a:fld id="{334B0CC5-9C9B-457E-A295-93B8BEFEAAC5}" type="datetimeFigureOut">
               <a:rPr lang="es-ES" smtClean="0"/>
-              <a:t>17/05/2015</a:t>
+              <a:t>18/05/2015</a:t>
             </a:fld>
             <a:endParaRPr lang="es-ES"/>
           </a:p>
@@ -412,7 +418,7 @@
           <a:p>
             <a:fld id="{334B0CC5-9C9B-457E-A295-93B8BEFEAAC5}" type="datetimeFigureOut">
               <a:rPr lang="es-ES" smtClean="0"/>
-              <a:t>17/05/2015</a:t>
+              <a:t>18/05/2015</a:t>
             </a:fld>
             <a:endParaRPr lang="es-ES"/>
           </a:p>
@@ -592,7 +598,7 @@
           <a:p>
             <a:fld id="{334B0CC5-9C9B-457E-A295-93B8BEFEAAC5}" type="datetimeFigureOut">
               <a:rPr lang="es-ES" smtClean="0"/>
-              <a:t>17/05/2015</a:t>
+              <a:t>18/05/2015</a:t>
             </a:fld>
             <a:endParaRPr lang="es-ES"/>
           </a:p>
@@ -762,7 +768,7 @@
           <a:p>
             <a:fld id="{334B0CC5-9C9B-457E-A295-93B8BEFEAAC5}" type="datetimeFigureOut">
               <a:rPr lang="es-ES" smtClean="0"/>
-              <a:t>17/05/2015</a:t>
+              <a:t>18/05/2015</a:t>
             </a:fld>
             <a:endParaRPr lang="es-ES"/>
           </a:p>
@@ -1008,7 +1014,7 @@
           <a:p>
             <a:fld id="{334B0CC5-9C9B-457E-A295-93B8BEFEAAC5}" type="datetimeFigureOut">
               <a:rPr lang="es-ES" smtClean="0"/>
-              <a:t>17/05/2015</a:t>
+              <a:t>18/05/2015</a:t>
             </a:fld>
             <a:endParaRPr lang="es-ES"/>
           </a:p>
@@ -1240,7 +1246,7 @@
           <a:p>
             <a:fld id="{334B0CC5-9C9B-457E-A295-93B8BEFEAAC5}" type="datetimeFigureOut">
               <a:rPr lang="es-ES" smtClean="0"/>
-              <a:t>17/05/2015</a:t>
+              <a:t>18/05/2015</a:t>
             </a:fld>
             <a:endParaRPr lang="es-ES"/>
           </a:p>
@@ -1607,7 +1613,7 @@
           <a:p>
             <a:fld id="{334B0CC5-9C9B-457E-A295-93B8BEFEAAC5}" type="datetimeFigureOut">
               <a:rPr lang="es-ES" smtClean="0"/>
-              <a:t>17/05/2015</a:t>
+              <a:t>18/05/2015</a:t>
             </a:fld>
             <a:endParaRPr lang="es-ES"/>
           </a:p>
@@ -1725,7 +1731,7 @@
           <a:p>
             <a:fld id="{334B0CC5-9C9B-457E-A295-93B8BEFEAAC5}" type="datetimeFigureOut">
               <a:rPr lang="es-ES" smtClean="0"/>
-              <a:t>17/05/2015</a:t>
+              <a:t>18/05/2015</a:t>
             </a:fld>
             <a:endParaRPr lang="es-ES"/>
           </a:p>
@@ -1820,7 +1826,7 @@
           <a:p>
             <a:fld id="{334B0CC5-9C9B-457E-A295-93B8BEFEAAC5}" type="datetimeFigureOut">
               <a:rPr lang="es-ES" smtClean="0"/>
-              <a:t>17/05/2015</a:t>
+              <a:t>18/05/2015</a:t>
             </a:fld>
             <a:endParaRPr lang="es-ES"/>
           </a:p>
@@ -2097,7 +2103,7 @@
           <a:p>
             <a:fld id="{334B0CC5-9C9B-457E-A295-93B8BEFEAAC5}" type="datetimeFigureOut">
               <a:rPr lang="es-ES" smtClean="0"/>
-              <a:t>17/05/2015</a:t>
+              <a:t>18/05/2015</a:t>
             </a:fld>
             <a:endParaRPr lang="es-ES"/>
           </a:p>
@@ -2350,7 +2356,7 @@
           <a:p>
             <a:fld id="{334B0CC5-9C9B-457E-A295-93B8BEFEAAC5}" type="datetimeFigureOut">
               <a:rPr lang="es-ES" smtClean="0"/>
-              <a:t>17/05/2015</a:t>
+              <a:t>18/05/2015</a:t>
             </a:fld>
             <a:endParaRPr lang="es-ES"/>
           </a:p>
@@ -2415,9 +2421,18 @@
 <p:sldMaster xmlns:a="http://schemas.openxmlformats.org/drawingml/2006/main" xmlns:r="http://schemas.openxmlformats.org/officeDocument/2006/relationships" xmlns:p="http://schemas.openxmlformats.org/presentationml/2006/main">
   <p:cSld>
     <p:bg>
-      <p:bgRef idx="1001">
-        <a:schemeClr val="bg1"/>
-      </p:bgRef>
+      <p:bgPr>
+        <a:blipFill dpi="0" rotWithShape="1">
+          <a:blip r:embed="rId13">
+            <a:lum/>
+          </a:blip>
+          <a:srcRect/>
+          <a:stretch>
+            <a:fillRect/>
+          </a:stretch>
+        </a:blipFill>
+        <a:effectLst/>
+      </p:bgPr>
     </p:bg>
     <p:spTree>
       <p:nvGrpSpPr>
@@ -2563,7 +2578,7 @@
           <a:p>
             <a:fld id="{334B0CC5-9C9B-457E-A295-93B8BEFEAAC5}" type="datetimeFigureOut">
               <a:rPr lang="es-ES" smtClean="0"/>
-              <a:t>17/05/2015</a:t>
+              <a:t>18/05/2015</a:t>
             </a:fld>
             <a:endParaRPr lang="es-ES"/>
           </a:p>
@@ -2954,20 +2969,6 @@
 <file path=ppt/slides/slide1.xml><?xml version="1.0" encoding="utf-8"?>
 <p:sld xmlns:a="http://schemas.openxmlformats.org/drawingml/2006/main" xmlns:r="http://schemas.openxmlformats.org/officeDocument/2006/relationships" xmlns:p="http://schemas.openxmlformats.org/presentationml/2006/main">
   <p:cSld>
-    <p:bg>
-      <p:bgPr>
-        <a:blipFill dpi="0" rotWithShape="1">
-          <a:blip r:embed="rId2">
-            <a:lum/>
-          </a:blip>
-          <a:srcRect/>
-          <a:stretch>
-            <a:fillRect/>
-          </a:stretch>
-        </a:blipFill>
-        <a:effectLst/>
-      </p:bgPr>
-    </p:bg>
     <p:spTree>
       <p:nvGrpSpPr>
         <p:cNvPr id="1" name=""/>
@@ -3139,10 +3140,18 @@
           <a:lstStyle/>
           <a:p>
             <a:r>
-              <a:rPr lang="en-US" dirty="0" smtClean="0"/>
+              <a:rPr lang="en-US" b="1" dirty="0" smtClean="0">
+                <a:solidFill>
+                  <a:schemeClr val="bg1"/>
+                </a:solidFill>
+              </a:rPr>
               <a:t>Overall Architecture</a:t>
             </a:r>
-            <a:endParaRPr lang="es-ES" dirty="0"/>
+            <a:endParaRPr lang="es-ES" b="1" dirty="0">
+              <a:solidFill>
+                <a:schemeClr val="bg1"/>
+              </a:solidFill>
+            </a:endParaRPr>
           </a:p>
         </p:txBody>
       </p:sp>
@@ -3230,10 +3239,18 @@
           <a:lstStyle/>
           <a:p>
             <a:r>
-              <a:rPr lang="en-US" dirty="0" smtClean="0"/>
+              <a:rPr lang="en-US" b="1" dirty="0" smtClean="0">
+                <a:solidFill>
+                  <a:schemeClr val="bg1"/>
+                </a:solidFill>
+              </a:rPr>
               <a:t>Class Diagram</a:t>
             </a:r>
-            <a:endParaRPr lang="es-ES" dirty="0"/>
+            <a:endParaRPr lang="es-ES" b="1" dirty="0">
+              <a:solidFill>
+                <a:schemeClr val="bg1"/>
+              </a:solidFill>
+            </a:endParaRPr>
           </a:p>
         </p:txBody>
       </p:sp>
@@ -3315,7 +3332,35 @@
           <a:bodyPr/>
           <a:lstStyle/>
           <a:p>
-            <a:endParaRPr lang="es-ES"/>
+            <a:r>
+              <a:rPr lang="es-ES" b="1" dirty="0" err="1" smtClean="0">
+                <a:solidFill>
+                  <a:schemeClr val="bg1"/>
+                </a:solidFill>
+              </a:rPr>
+              <a:t>PlayoffTracker</a:t>
+            </a:r>
+            <a:r>
+              <a:rPr lang="es-ES" b="1" dirty="0" smtClean="0">
+                <a:solidFill>
+                  <a:schemeClr val="bg1"/>
+                </a:solidFill>
+              </a:rPr>
+              <a:t> </a:t>
+            </a:r>
+            <a:r>
+              <a:rPr lang="es-ES" b="1" dirty="0" err="1" smtClean="0">
+                <a:solidFill>
+                  <a:schemeClr val="bg1"/>
+                </a:solidFill>
+              </a:rPr>
+              <a:t>Plugin</a:t>
+            </a:r>
+            <a:endParaRPr lang="es-ES" b="1" dirty="0">
+              <a:solidFill>
+                <a:schemeClr val="bg1"/>
+              </a:solidFill>
+            </a:endParaRPr>
           </a:p>
         </p:txBody>
       </p:sp>
@@ -3334,7 +3379,115 @@
           <a:bodyPr/>
           <a:lstStyle/>
           <a:p>
-            <a:endParaRPr lang="es-ES"/>
+            <a:r>
+              <a:rPr lang="es-ES" b="1" dirty="0" err="1" smtClean="0">
+                <a:solidFill>
+                  <a:schemeClr val="bg1"/>
+                </a:solidFill>
+              </a:rPr>
+              <a:t>CreateSeries</a:t>
+            </a:r>
+            <a:r>
+              <a:rPr lang="es-ES" b="1" dirty="0" smtClean="0">
+                <a:solidFill>
+                  <a:schemeClr val="bg1"/>
+                </a:solidFill>
+              </a:rPr>
+              <a:t> – POST </a:t>
+            </a:r>
+          </a:p>
+          <a:p>
+            <a:r>
+              <a:rPr lang="es-ES" b="1" dirty="0" err="1" smtClean="0">
+                <a:solidFill>
+                  <a:schemeClr val="bg1"/>
+                </a:solidFill>
+              </a:rPr>
+              <a:t>RetrieveSeries</a:t>
+            </a:r>
+            <a:r>
+              <a:rPr lang="es-ES" b="1" dirty="0" smtClean="0">
+                <a:solidFill>
+                  <a:schemeClr val="bg1"/>
+                </a:solidFill>
+              </a:rPr>
+              <a:t> – GET </a:t>
+            </a:r>
+          </a:p>
+          <a:p>
+            <a:r>
+              <a:rPr lang="es-ES" b="1" dirty="0" err="1" smtClean="0">
+                <a:solidFill>
+                  <a:schemeClr val="bg1"/>
+                </a:solidFill>
+              </a:rPr>
+              <a:t>Opponent</a:t>
+            </a:r>
+            <a:r>
+              <a:rPr lang="es-ES" b="1" dirty="0" smtClean="0">
+                <a:solidFill>
+                  <a:schemeClr val="bg1"/>
+                </a:solidFill>
+              </a:rPr>
+              <a:t> </a:t>
+            </a:r>
+            <a:r>
+              <a:rPr lang="es-ES" b="1" dirty="0" err="1" smtClean="0">
+                <a:solidFill>
+                  <a:schemeClr val="bg1"/>
+                </a:solidFill>
+              </a:rPr>
+              <a:t>List</a:t>
+            </a:r>
+            <a:r>
+              <a:rPr lang="es-ES" b="1" dirty="0" smtClean="0">
+                <a:solidFill>
+                  <a:schemeClr val="bg1"/>
+                </a:solidFill>
+              </a:rPr>
+              <a:t> – GET </a:t>
+            </a:r>
+          </a:p>
+          <a:p>
+            <a:r>
+              <a:rPr lang="es-ES" b="1" dirty="0" err="1" smtClean="0">
+                <a:solidFill>
+                  <a:schemeClr val="bg1"/>
+                </a:solidFill>
+              </a:rPr>
+              <a:t>UpdateSeries</a:t>
+            </a:r>
+            <a:r>
+              <a:rPr lang="es-ES" b="1" dirty="0" smtClean="0">
+                <a:solidFill>
+                  <a:schemeClr val="bg1"/>
+                </a:solidFill>
+              </a:rPr>
+              <a:t> – PUT </a:t>
+            </a:r>
+          </a:p>
+          <a:p>
+            <a:r>
+              <a:rPr lang="es-ES" b="1" dirty="0" err="1" smtClean="0">
+                <a:solidFill>
+                  <a:schemeClr val="bg1"/>
+                </a:solidFill>
+              </a:rPr>
+              <a:t>DeleteGames</a:t>
+            </a:r>
+            <a:r>
+              <a:rPr lang="es-ES" b="1" dirty="0" smtClean="0">
+                <a:solidFill>
+                  <a:schemeClr val="bg1"/>
+                </a:solidFill>
+              </a:rPr>
+              <a:t> – DELETE</a:t>
+            </a:r>
+            <a:endParaRPr lang="es-ES" b="1" dirty="0">
+              <a:solidFill>
+                <a:schemeClr val="bg1"/>
+              </a:solidFill>
+            </a:endParaRPr>
           </a:p>
         </p:txBody>
       </p:sp>
@@ -3390,7 +3543,19 @@
           <a:bodyPr/>
           <a:lstStyle/>
           <a:p>
-            <a:endParaRPr lang="es-ES"/>
+            <a:r>
+              <a:rPr lang="es-ES" b="1" dirty="0" smtClean="0">
+                <a:solidFill>
+                  <a:schemeClr val="bg1"/>
+                </a:solidFill>
+              </a:rPr>
+              <a:t>AJAX Use</a:t>
+            </a:r>
+            <a:endParaRPr lang="es-ES" b="1" dirty="0">
+              <a:solidFill>
+                <a:schemeClr val="bg1"/>
+              </a:solidFill>
+            </a:endParaRPr>
           </a:p>
         </p:txBody>
       </p:sp>
@@ -3409,7 +3574,438 @@
           <a:bodyPr/>
           <a:lstStyle/>
           <a:p>
-            <a:endParaRPr lang="es-ES"/>
+            <a:pPr marL="0" indent="0">
+              <a:buNone/>
+            </a:pPr>
+            <a:r>
+              <a:rPr lang="es-ES" b="1" dirty="0" err="1" smtClean="0">
+                <a:solidFill>
+                  <a:schemeClr val="bg1"/>
+                </a:solidFill>
+              </a:rPr>
+              <a:t>Application</a:t>
+            </a:r>
+            <a:r>
+              <a:rPr lang="es-ES" b="1" dirty="0">
+                <a:solidFill>
+                  <a:schemeClr val="bg1"/>
+                </a:solidFill>
+              </a:rPr>
+              <a:t> </a:t>
+            </a:r>
+            <a:r>
+              <a:rPr lang="es-ES" b="1" dirty="0" err="1" smtClean="0">
+                <a:solidFill>
+                  <a:schemeClr val="bg1"/>
+                </a:solidFill>
+              </a:rPr>
+              <a:t>ran</a:t>
+            </a:r>
+            <a:r>
+              <a:rPr lang="es-ES" b="1" dirty="0" smtClean="0">
+                <a:solidFill>
+                  <a:schemeClr val="bg1"/>
+                </a:solidFill>
+              </a:rPr>
+              <a:t> </a:t>
+            </a:r>
+            <a:r>
+              <a:rPr lang="es-ES" b="1" dirty="0" err="1" smtClean="0">
+                <a:solidFill>
+                  <a:schemeClr val="bg1"/>
+                </a:solidFill>
+              </a:rPr>
+              <a:t>entirely</a:t>
+            </a:r>
+            <a:r>
+              <a:rPr lang="es-ES" b="1" dirty="0" smtClean="0">
+                <a:solidFill>
+                  <a:schemeClr val="bg1"/>
+                </a:solidFill>
+              </a:rPr>
+              <a:t> </a:t>
+            </a:r>
+            <a:r>
+              <a:rPr lang="es-ES" b="1" dirty="0" err="1" smtClean="0">
+                <a:solidFill>
+                  <a:schemeClr val="bg1"/>
+                </a:solidFill>
+              </a:rPr>
+              <a:t>from</a:t>
+            </a:r>
+            <a:r>
+              <a:rPr lang="es-ES" b="1" dirty="0" smtClean="0">
+                <a:solidFill>
+                  <a:schemeClr val="bg1"/>
+                </a:solidFill>
+              </a:rPr>
+              <a:t> </a:t>
+            </a:r>
+            <a:r>
+              <a:rPr lang="es-ES" b="1" dirty="0" smtClean="0">
+                <a:solidFill>
+                  <a:schemeClr val="bg1"/>
+                </a:solidFill>
+              </a:rPr>
+              <a:t>index.html</a:t>
+            </a:r>
+          </a:p>
+          <a:p>
+            <a:pPr lvl="1"/>
+            <a:r>
+              <a:rPr lang="es-ES" b="1" dirty="0" err="1" smtClean="0">
+                <a:solidFill>
+                  <a:schemeClr val="bg1"/>
+                </a:solidFill>
+              </a:rPr>
+              <a:t>Container</a:t>
+            </a:r>
+            <a:r>
+              <a:rPr lang="es-ES" b="1" dirty="0" smtClean="0">
+                <a:solidFill>
+                  <a:schemeClr val="bg1"/>
+                </a:solidFill>
+              </a:rPr>
+              <a:t> </a:t>
+            </a:r>
+            <a:r>
+              <a:rPr lang="es-ES" b="1" dirty="0" err="1" smtClean="0">
+                <a:solidFill>
+                  <a:schemeClr val="bg1"/>
+                </a:solidFill>
+              </a:rPr>
+              <a:t>with</a:t>
+            </a:r>
+            <a:r>
+              <a:rPr lang="es-ES" b="1" dirty="0" smtClean="0">
+                <a:solidFill>
+                  <a:schemeClr val="bg1"/>
+                </a:solidFill>
+              </a:rPr>
+              <a:t> </a:t>
+            </a:r>
+            <a:r>
+              <a:rPr lang="es-ES" b="1" dirty="0" err="1">
+                <a:solidFill>
+                  <a:schemeClr val="bg1"/>
+                </a:solidFill>
+              </a:rPr>
+              <a:t>n</a:t>
+            </a:r>
+            <a:r>
+              <a:rPr lang="es-ES" b="1" dirty="0" err="1" smtClean="0">
+                <a:solidFill>
+                  <a:schemeClr val="bg1"/>
+                </a:solidFill>
+              </a:rPr>
+              <a:t>avigation</a:t>
+            </a:r>
+            <a:r>
+              <a:rPr lang="es-ES" b="1" dirty="0" smtClean="0">
+                <a:solidFill>
+                  <a:schemeClr val="bg1"/>
+                </a:solidFill>
+              </a:rPr>
+              <a:t> bar and </a:t>
+            </a:r>
+            <a:r>
+              <a:rPr lang="es-ES" b="1" dirty="0" err="1" smtClean="0">
+                <a:solidFill>
+                  <a:schemeClr val="bg1"/>
+                </a:solidFill>
+              </a:rPr>
+              <a:t>content</a:t>
+            </a:r>
+            <a:r>
+              <a:rPr lang="es-ES" b="1" dirty="0" smtClean="0">
+                <a:solidFill>
+                  <a:schemeClr val="bg1"/>
+                </a:solidFill>
+              </a:rPr>
+              <a:t> div</a:t>
+            </a:r>
+          </a:p>
+          <a:p>
+            <a:pPr lvl="1"/>
+            <a:r>
+              <a:rPr lang="es-ES" b="1" dirty="0" smtClean="0">
+                <a:solidFill>
+                  <a:schemeClr val="bg1"/>
+                </a:solidFill>
+              </a:rPr>
+              <a:t>AJAX </a:t>
+            </a:r>
+            <a:r>
+              <a:rPr lang="es-ES" b="1" dirty="0" err="1" smtClean="0">
+                <a:solidFill>
+                  <a:schemeClr val="bg1"/>
+                </a:solidFill>
+              </a:rPr>
+              <a:t>calls</a:t>
+            </a:r>
+            <a:r>
+              <a:rPr lang="es-ES" b="1" dirty="0" smtClean="0">
+                <a:solidFill>
+                  <a:schemeClr val="bg1"/>
+                </a:solidFill>
+              </a:rPr>
+              <a:t> </a:t>
+            </a:r>
+            <a:r>
+              <a:rPr lang="es-ES" b="1" dirty="0" err="1" smtClean="0">
+                <a:solidFill>
+                  <a:schemeClr val="bg1"/>
+                </a:solidFill>
+              </a:rPr>
+              <a:t>replace</a:t>
+            </a:r>
+            <a:r>
+              <a:rPr lang="es-ES" b="1" dirty="0" smtClean="0">
+                <a:solidFill>
+                  <a:schemeClr val="bg1"/>
+                </a:solidFill>
+              </a:rPr>
+              <a:t> </a:t>
+            </a:r>
+            <a:r>
+              <a:rPr lang="es-ES" b="1" dirty="0" err="1" smtClean="0">
+                <a:solidFill>
+                  <a:schemeClr val="bg1"/>
+                </a:solidFill>
+              </a:rPr>
+              <a:t>inner</a:t>
+            </a:r>
+            <a:r>
+              <a:rPr lang="es-ES" b="1" dirty="0" smtClean="0">
+                <a:solidFill>
+                  <a:schemeClr val="bg1"/>
+                </a:solidFill>
+              </a:rPr>
+              <a:t> HTML of </a:t>
+            </a:r>
+            <a:r>
+              <a:rPr lang="es-ES" b="1" dirty="0" err="1" smtClean="0">
+                <a:solidFill>
+                  <a:schemeClr val="bg1"/>
+                </a:solidFill>
+              </a:rPr>
+              <a:t>content</a:t>
+            </a:r>
+            <a:r>
+              <a:rPr lang="es-ES" b="1" dirty="0" smtClean="0">
+                <a:solidFill>
+                  <a:schemeClr val="bg1"/>
+                </a:solidFill>
+              </a:rPr>
+              <a:t> div</a:t>
+            </a:r>
+          </a:p>
+          <a:p>
+            <a:pPr lvl="1"/>
+            <a:r>
+              <a:rPr lang="es-ES" b="1" dirty="0" err="1" smtClean="0">
+                <a:solidFill>
+                  <a:schemeClr val="bg1"/>
+                </a:solidFill>
+              </a:rPr>
+              <a:t>All</a:t>
+            </a:r>
+            <a:r>
+              <a:rPr lang="es-ES" b="1" dirty="0" smtClean="0">
+                <a:solidFill>
+                  <a:schemeClr val="bg1"/>
+                </a:solidFill>
+              </a:rPr>
+              <a:t> </a:t>
+            </a:r>
+            <a:r>
+              <a:rPr lang="es-ES" b="1" dirty="0">
+                <a:solidFill>
+                  <a:schemeClr val="bg1"/>
+                </a:solidFill>
+              </a:rPr>
+              <a:t>AJAX </a:t>
+            </a:r>
+            <a:r>
+              <a:rPr lang="es-ES" b="1" dirty="0" err="1" smtClean="0">
+                <a:solidFill>
+                  <a:schemeClr val="bg1"/>
+                </a:solidFill>
+              </a:rPr>
+              <a:t>located</a:t>
+            </a:r>
+            <a:r>
+              <a:rPr lang="es-ES" b="1" dirty="0" smtClean="0">
+                <a:solidFill>
+                  <a:schemeClr val="bg1"/>
+                </a:solidFill>
+              </a:rPr>
+              <a:t> in ajax.js file</a:t>
+            </a:r>
+          </a:p>
+          <a:p>
+            <a:pPr lvl="1"/>
+            <a:r>
+              <a:rPr lang="es-ES" b="1" dirty="0" err="1" smtClean="0">
+                <a:solidFill>
+                  <a:schemeClr val="bg1"/>
+                </a:solidFill>
+              </a:rPr>
+              <a:t>Body</a:t>
+            </a:r>
+            <a:r>
+              <a:rPr lang="es-ES" b="1" dirty="0" smtClean="0">
+                <a:solidFill>
+                  <a:schemeClr val="bg1"/>
+                </a:solidFill>
+              </a:rPr>
+              <a:t> of </a:t>
+            </a:r>
+            <a:r>
+              <a:rPr lang="es-ES" b="1" dirty="0" err="1" smtClean="0">
+                <a:solidFill>
+                  <a:schemeClr val="bg1"/>
+                </a:solidFill>
+              </a:rPr>
+              <a:t>plugin</a:t>
+            </a:r>
+            <a:r>
+              <a:rPr lang="es-ES" b="1" dirty="0" smtClean="0">
+                <a:solidFill>
+                  <a:schemeClr val="bg1"/>
+                </a:solidFill>
+              </a:rPr>
+              <a:t> responses are HTML </a:t>
+            </a:r>
+            <a:endParaRPr lang="es-ES" b="1" dirty="0">
+              <a:solidFill>
+                <a:schemeClr val="bg1"/>
+              </a:solidFill>
+            </a:endParaRPr>
+          </a:p>
+        </p:txBody>
+      </p:sp>
+    </p:spTree>
+    <p:extLst>
+      <p:ext uri="{BB962C8B-B14F-4D97-AF65-F5344CB8AC3E}">
+        <p14:creationId xmlns:p14="http://schemas.microsoft.com/office/powerpoint/2010/main" val="2330365973"/>
+      </p:ext>
+    </p:extLst>
+  </p:cSld>
+  <p:clrMapOvr>
+    <a:masterClrMapping/>
+  </p:clrMapOvr>
+  <p:timing>
+    <p:tnLst>
+      <p:par>
+        <p:cTn id="1" dur="indefinite" restart="never" nodeType="tmRoot"/>
+      </p:par>
+    </p:tnLst>
+  </p:timing>
+</p:sld>
+</file>
+
+<file path=ppt/slides/slide6.xml><?xml version="1.0" encoding="utf-8"?>
+<p:sld xmlns:a="http://schemas.openxmlformats.org/drawingml/2006/main" xmlns:r="http://schemas.openxmlformats.org/officeDocument/2006/relationships" xmlns:p="http://schemas.openxmlformats.org/presentationml/2006/main">
+  <p:cSld>
+    <p:spTree>
+      <p:nvGrpSpPr>
+        <p:cNvPr id="1" name=""/>
+        <p:cNvGrpSpPr/>
+        <p:nvPr/>
+      </p:nvGrpSpPr>
+      <p:grpSpPr>
+        <a:xfrm>
+          <a:off x="0" y="0"/>
+          <a:ext cx="0" cy="0"/>
+          <a:chOff x="0" y="0"/>
+          <a:chExt cx="0" cy="0"/>
+        </a:xfrm>
+      </p:grpSpPr>
+      <p:sp>
+        <p:nvSpPr>
+          <p:cNvPr id="2" name="Title 1"/>
+          <p:cNvSpPr>
+            <a:spLocks noGrp="1"/>
+          </p:cNvSpPr>
+          <p:nvPr>
+            <p:ph type="title"/>
+          </p:nvPr>
+        </p:nvSpPr>
+        <p:spPr/>
+        <p:txBody>
+          <a:bodyPr/>
+          <a:lstStyle/>
+          <a:p>
+            <a:r>
+              <a:rPr lang="es-ES" b="1" dirty="0" smtClean="0">
+                <a:solidFill>
+                  <a:schemeClr val="bg1"/>
+                </a:solidFill>
+              </a:rPr>
+              <a:t>Demo / </a:t>
+            </a:r>
+            <a:r>
+              <a:rPr lang="es-ES" b="1" dirty="0" err="1" smtClean="0">
+                <a:solidFill>
+                  <a:schemeClr val="bg1"/>
+                </a:solidFill>
+              </a:rPr>
+              <a:t>Questions</a:t>
+            </a:r>
+            <a:endParaRPr lang="es-ES" b="1" dirty="0">
+              <a:solidFill>
+                <a:schemeClr val="bg1"/>
+              </a:solidFill>
+            </a:endParaRPr>
+          </a:p>
+        </p:txBody>
+      </p:sp>
+      <p:sp>
+        <p:nvSpPr>
+          <p:cNvPr id="4" name="Content Placeholder 2"/>
+          <p:cNvSpPr>
+            <a:spLocks noGrp="1"/>
+          </p:cNvSpPr>
+          <p:nvPr>
+            <p:ph idx="1"/>
+          </p:nvPr>
+        </p:nvSpPr>
+        <p:spPr>
+          <a:xfrm>
+            <a:off x="838200" y="1825625"/>
+            <a:ext cx="10515600" cy="4351338"/>
+          </a:xfrm>
+        </p:spPr>
+        <p:txBody>
+          <a:bodyPr/>
+          <a:lstStyle/>
+          <a:p>
+            <a:pPr marL="0" indent="0">
+              <a:buNone/>
+            </a:pPr>
+            <a:r>
+              <a:rPr lang="es-ES" b="1" dirty="0" smtClean="0">
+                <a:solidFill>
+                  <a:schemeClr val="bg1"/>
+                </a:solidFill>
+                <a:hlinkClick r:id="rId2"/>
+              </a:rPr>
+              <a:t>http://localhost:8080/index.html</a:t>
+            </a:r>
+            <a:r>
+              <a:rPr lang="es-ES" b="1" dirty="0" smtClean="0">
+                <a:solidFill>
+                  <a:schemeClr val="bg1"/>
+                </a:solidFill>
+              </a:rPr>
+              <a:t> </a:t>
+            </a:r>
+            <a:endParaRPr lang="es-ES" b="1" dirty="0">
+              <a:solidFill>
+                <a:schemeClr val="bg1"/>
+              </a:solidFill>
+            </a:endParaRPr>
           </a:p>
         </p:txBody>
       </p:sp>
